--- a/DSC530/Healthiest City/Healthy Lifestyles.pptx
+++ b/DSC530/Healthiest City/Healthy Lifestyles.pptx
@@ -3303,7 +3303,7 @@
           <a:p>
             <a:fld id="{EED1C14C-A143-42F5-B247-D0E800131009}" type="datetimeFigureOut">
               <a:rPr lang="en-US" smtClean="0"/>
-              <a:t>5/31/2022</a:t>
+              <a:t>6/1/2022</a:t>
             </a:fld>
             <a:endParaRPr lang="en-US"/>
           </a:p>
@@ -3501,7 +3501,7 @@
           <a:p>
             <a:fld id="{EED1C14C-A143-42F5-B247-D0E800131009}" type="datetimeFigureOut">
               <a:rPr lang="en-US" smtClean="0"/>
-              <a:t>5/31/2022</a:t>
+              <a:t>6/1/2022</a:t>
             </a:fld>
             <a:endParaRPr lang="en-US"/>
           </a:p>
@@ -3709,7 +3709,7 @@
           <a:p>
             <a:fld id="{EED1C14C-A143-42F5-B247-D0E800131009}" type="datetimeFigureOut">
               <a:rPr lang="en-US" smtClean="0"/>
-              <a:t>5/31/2022</a:t>
+              <a:t>6/1/2022</a:t>
             </a:fld>
             <a:endParaRPr lang="en-US"/>
           </a:p>
@@ -3907,7 +3907,7 @@
           <a:p>
             <a:fld id="{EED1C14C-A143-42F5-B247-D0E800131009}" type="datetimeFigureOut">
               <a:rPr lang="en-US" smtClean="0"/>
-              <a:t>5/31/2022</a:t>
+              <a:t>6/1/2022</a:t>
             </a:fld>
             <a:endParaRPr lang="en-US"/>
           </a:p>
@@ -4182,7 +4182,7 @@
           <a:p>
             <a:fld id="{EED1C14C-A143-42F5-B247-D0E800131009}" type="datetimeFigureOut">
               <a:rPr lang="en-US" smtClean="0"/>
-              <a:t>5/31/2022</a:t>
+              <a:t>6/1/2022</a:t>
             </a:fld>
             <a:endParaRPr lang="en-US"/>
           </a:p>
@@ -4447,7 +4447,7 @@
           <a:p>
             <a:fld id="{EED1C14C-A143-42F5-B247-D0E800131009}" type="datetimeFigureOut">
               <a:rPr lang="en-US" smtClean="0"/>
-              <a:t>5/31/2022</a:t>
+              <a:t>6/1/2022</a:t>
             </a:fld>
             <a:endParaRPr lang="en-US"/>
           </a:p>
@@ -4859,7 +4859,7 @@
           <a:p>
             <a:fld id="{EED1C14C-A143-42F5-B247-D0E800131009}" type="datetimeFigureOut">
               <a:rPr lang="en-US" smtClean="0"/>
-              <a:t>5/31/2022</a:t>
+              <a:t>6/1/2022</a:t>
             </a:fld>
             <a:endParaRPr lang="en-US"/>
           </a:p>
@@ -5000,7 +5000,7 @@
           <a:p>
             <a:fld id="{EED1C14C-A143-42F5-B247-D0E800131009}" type="datetimeFigureOut">
               <a:rPr lang="en-US" smtClean="0"/>
-              <a:t>5/31/2022</a:t>
+              <a:t>6/1/2022</a:t>
             </a:fld>
             <a:endParaRPr lang="en-US"/>
           </a:p>
@@ -5113,7 +5113,7 @@
           <a:p>
             <a:fld id="{EED1C14C-A143-42F5-B247-D0E800131009}" type="datetimeFigureOut">
               <a:rPr lang="en-US" smtClean="0"/>
-              <a:t>5/31/2022</a:t>
+              <a:t>6/1/2022</a:t>
             </a:fld>
             <a:endParaRPr lang="en-US"/>
           </a:p>
@@ -5424,7 +5424,7 @@
           <a:p>
             <a:fld id="{EED1C14C-A143-42F5-B247-D0E800131009}" type="datetimeFigureOut">
               <a:rPr lang="en-US" smtClean="0"/>
-              <a:t>5/31/2022</a:t>
+              <a:t>6/1/2022</a:t>
             </a:fld>
             <a:endParaRPr lang="en-US"/>
           </a:p>
@@ -5712,7 +5712,7 @@
           <a:p>
             <a:fld id="{EED1C14C-A143-42F5-B247-D0E800131009}" type="datetimeFigureOut">
               <a:rPr lang="en-US" smtClean="0"/>
-              <a:t>5/31/2022</a:t>
+              <a:t>6/1/2022</a:t>
             </a:fld>
             <a:endParaRPr lang="en-US"/>
           </a:p>
@@ -5953,7 +5953,7 @@
           <a:p>
             <a:fld id="{EED1C14C-A143-42F5-B247-D0E800131009}" type="datetimeFigureOut">
               <a:rPr lang="en-US" smtClean="0"/>
-              <a:t>5/31/2022</a:t>
+              <a:t>6/1/2022</a:t>
             </a:fld>
             <a:endParaRPr lang="en-US"/>
           </a:p>
@@ -7503,10 +7503,10 @@
       </p:sp>
       <p:pic>
         <p:nvPicPr>
-          <p:cNvPr id="5" name="Picture 4">
-            <a:extLst>
-              <a:ext uri="{FF2B5EF4-FFF2-40B4-BE49-F238E27FC236}">
-                <a16:creationId xmlns:a16="http://schemas.microsoft.com/office/drawing/2014/main" id="{46E145D9-C80F-6606-96B3-AD4A082E05D9}"/>
+          <p:cNvPr id="16" name="Picture 15">
+            <a:extLst>
+              <a:ext uri="{FF2B5EF4-FFF2-40B4-BE49-F238E27FC236}">
+                <a16:creationId xmlns:a16="http://schemas.microsoft.com/office/drawing/2014/main" id="{5D3E2B10-95E2-1859-F236-5C9570771C57}"/>
               </a:ext>
             </a:extLst>
           </p:cNvPr>
@@ -7523,8 +7523,38 @@
         </p:blipFill>
         <p:spPr>
           <a:xfrm>
-            <a:off x="3246751" y="133379"/>
-            <a:ext cx="4667061" cy="3363273"/>
+            <a:off x="7902926" y="356685"/>
+            <a:ext cx="4277322" cy="2781688"/>
+          </a:xfrm>
+          <a:prstGeom prst="rect">
+            <a:avLst/>
+          </a:prstGeom>
+        </p:spPr>
+      </p:pic>
+      <p:pic>
+        <p:nvPicPr>
+          <p:cNvPr id="4" name="Picture 3">
+            <a:extLst>
+              <a:ext uri="{FF2B5EF4-FFF2-40B4-BE49-F238E27FC236}">
+                <a16:creationId xmlns:a16="http://schemas.microsoft.com/office/drawing/2014/main" id="{86081C05-D18A-309D-C72D-3F91802001B9}"/>
+              </a:ext>
+            </a:extLst>
+          </p:cNvPr>
+          <p:cNvPicPr>
+            <a:picLocks noChangeAspect="1"/>
+          </p:cNvPicPr>
+          <p:nvPr/>
+        </p:nvPicPr>
+        <p:blipFill>
+          <a:blip r:embed="rId3"/>
+          <a:stretch>
+            <a:fillRect/>
+          </a:stretch>
+        </p:blipFill>
+        <p:spPr>
+          <a:xfrm>
+            <a:off x="3392434" y="492438"/>
+            <a:ext cx="4209512" cy="2918119"/>
           </a:xfrm>
           <a:prstGeom prst="rect">
             <a:avLst/>
@@ -7610,36 +7640,6 @@
           </a:p>
         </p:txBody>
       </p:sp>
-      <p:pic>
-        <p:nvPicPr>
-          <p:cNvPr id="16" name="Picture 15">
-            <a:extLst>
-              <a:ext uri="{FF2B5EF4-FFF2-40B4-BE49-F238E27FC236}">
-                <a16:creationId xmlns:a16="http://schemas.microsoft.com/office/drawing/2014/main" id="{5D3E2B10-95E2-1859-F236-5C9570771C57}"/>
-              </a:ext>
-            </a:extLst>
-          </p:cNvPr>
-          <p:cNvPicPr>
-            <a:picLocks noChangeAspect="1"/>
-          </p:cNvPicPr>
-          <p:nvPr/>
-        </p:nvPicPr>
-        <p:blipFill>
-          <a:blip r:embed="rId3"/>
-          <a:stretch>
-            <a:fillRect/>
-          </a:stretch>
-        </p:blipFill>
-        <p:spPr>
-          <a:xfrm>
-            <a:off x="7902926" y="356685"/>
-            <a:ext cx="4277322" cy="2781688"/>
-          </a:xfrm>
-          <a:prstGeom prst="rect">
-            <a:avLst/>
-          </a:prstGeom>
-        </p:spPr>
-      </p:pic>
     </p:spTree>
     <p:extLst>
       <p:ext uri="{BB962C8B-B14F-4D97-AF65-F5344CB8AC3E}">
@@ -7693,7 +7693,7 @@
         <p:spPr>
           <a:xfrm>
             <a:off x="697877" y="4717025"/>
-            <a:ext cx="5049780" cy="923330"/>
+            <a:ext cx="4964757" cy="888705"/>
           </a:xfrm>
           <a:prstGeom prst="rect">
             <a:avLst/>
@@ -7725,7 +7725,7 @@
             </a:r>
           </a:p>
           <a:p>
-            <a:pPr algn="r">
+            <a:pPr>
               <a:lnSpc>
                 <a:spcPct val="150000"/>
               </a:lnSpc>
@@ -7804,7 +7804,7 @@
           <a:lstStyle/>
           <a:p>
             <a:r>
-              <a:rPr lang="en-US" dirty="0"/>
+              <a:rPr lang="en-US" i="1" dirty="0"/>
               <a:t>As you can see, with the mode of 5 hours of sunshine, the obesity level is lower than the rest.</a:t>
             </a:r>
           </a:p>
@@ -9648,6 +9648,57 @@
           <a:ln>
             <a:noFill/>
           </a:ln>
+        </p:spPr>
+        <p:style>
+          <a:lnRef idx="2">
+            <a:schemeClr val="accent1">
+              <a:shade val="50000"/>
+            </a:schemeClr>
+          </a:lnRef>
+          <a:fillRef idx="1">
+            <a:schemeClr val="accent1"/>
+          </a:fillRef>
+          <a:effectRef idx="0">
+            <a:schemeClr val="accent1"/>
+          </a:effectRef>
+          <a:fontRef idx="minor">
+            <a:schemeClr val="lt1"/>
+          </a:fontRef>
+        </p:style>
+        <p:txBody>
+          <a:bodyPr rtlCol="0" anchor="ctr"/>
+          <a:lstStyle/>
+          <a:p>
+            <a:pPr algn="ctr"/>
+            <a:endParaRPr lang="en-US"/>
+          </a:p>
+        </p:txBody>
+      </p:sp>
+      <p:sp>
+        <p:nvSpPr>
+          <p:cNvPr id="6" name="Rectangle 5">
+            <a:extLst>
+              <a:ext uri="{FF2B5EF4-FFF2-40B4-BE49-F238E27FC236}">
+                <a16:creationId xmlns:a16="http://schemas.microsoft.com/office/drawing/2014/main" id="{58401F7B-1F4B-C1E3-D1AB-DD0D3043B4BA}"/>
+              </a:ext>
+            </a:extLst>
+          </p:cNvPr>
+          <p:cNvSpPr/>
+          <p:nvPr/>
+        </p:nvSpPr>
+        <p:spPr>
+          <a:xfrm>
+            <a:off x="5431971" y="2764974"/>
+            <a:ext cx="5127172" cy="1272777"/>
+          </a:xfrm>
+          <a:prstGeom prst="rect">
+            <a:avLst/>
+          </a:prstGeom>
+          <a:solidFill>
+            <a:schemeClr val="bg1">
+              <a:lumMod val="85000"/>
+            </a:schemeClr>
+          </a:solidFill>
         </p:spPr>
         <p:style>
           <a:lnRef idx="2">
@@ -9974,7 +10025,7 @@
         </p:nvSpPr>
         <p:spPr>
           <a:xfrm>
-            <a:off x="1119042" y="1028434"/>
+            <a:off x="901552" y="1028433"/>
             <a:ext cx="3354636" cy="1679698"/>
           </a:xfrm>
           <a:prstGeom prst="rect">
@@ -10024,7 +10075,7 @@
         <p:spPr>
           <a:xfrm>
             <a:off x="1119041" y="2853817"/>
-            <a:ext cx="3243960" cy="3231654"/>
+            <a:ext cx="3243960" cy="2062103"/>
           </a:xfrm>
           <a:prstGeom prst="rect">
             <a:avLst/>
@@ -10038,7 +10089,7 @@
           <a:lstStyle/>
           <a:p>
             <a:r>
-              <a:rPr kumimoji="0" lang="en-US" sz="3400" b="0" i="0" u="none" strike="noStrike" kern="1200" cap="none" spc="0" normalizeH="0" baseline="0" noProof="0" dirty="0">
+              <a:rPr kumimoji="0" lang="en-US" b="1" i="0" u="none" strike="noStrike" kern="1200" cap="none" spc="0" normalizeH="0" baseline="0" noProof="0" dirty="0">
                 <a:ln>
                   <a:noFill/>
                 </a:ln>
@@ -10052,7 +10103,136 @@
                 <a:ea typeface="+mn-ea"/>
                 <a:cs typeface="+mn-cs"/>
               </a:rPr>
-              <a:t>Distributions between obesity levels for 5 hours of sunshine vs the rest are the same.</a:t>
+              <a:t>H</a:t>
+            </a:r>
+            <a:r>
+              <a:rPr kumimoji="0" lang="en-US" b="1" i="0" u="none" strike="noStrike" kern="1200" cap="none" spc="0" normalizeH="0" baseline="-25000" noProof="0" dirty="0">
+                <a:ln>
+                  <a:noFill/>
+                </a:ln>
+                <a:solidFill>
+                  <a:prstClr val="black"/>
+                </a:solidFill>
+                <a:effectLst/>
+                <a:uLnTx/>
+                <a:uFillTx/>
+                <a:latin typeface="Minion Pro" panose="02040503050306020203" pitchFamily="18" charset="0"/>
+                <a:ea typeface="+mn-ea"/>
+                <a:cs typeface="+mn-cs"/>
+              </a:rPr>
+              <a:t>0</a:t>
+            </a:r>
+            <a:r>
+              <a:rPr kumimoji="0" lang="en-US" b="1" i="0" u="none" strike="noStrike" kern="1200" cap="none" spc="0" normalizeH="0" baseline="0" noProof="0" dirty="0">
+                <a:ln>
+                  <a:noFill/>
+                </a:ln>
+                <a:solidFill>
+                  <a:prstClr val="black"/>
+                </a:solidFill>
+                <a:effectLst/>
+                <a:uLnTx/>
+                <a:uFillTx/>
+                <a:latin typeface="Minion Pro" panose="02040503050306020203" pitchFamily="18" charset="0"/>
+                <a:ea typeface="+mn-ea"/>
+                <a:cs typeface="+mn-cs"/>
+              </a:rPr>
+              <a:t>:</a:t>
+            </a:r>
+            <a:r>
+              <a:rPr kumimoji="0" lang="en-US" b="0" i="0" u="none" strike="noStrike" kern="1200" cap="none" spc="0" normalizeH="0" baseline="0" noProof="0" dirty="0">
+                <a:ln>
+                  <a:noFill/>
+                </a:ln>
+                <a:solidFill>
+                  <a:prstClr val="black"/>
+                </a:solidFill>
+                <a:effectLst/>
+                <a:uLnTx/>
+                <a:uFillTx/>
+                <a:latin typeface="Minion Pro" panose="02040503050306020203" pitchFamily="18" charset="0"/>
+                <a:ea typeface="+mn-ea"/>
+                <a:cs typeface="+mn-cs"/>
+              </a:rPr>
+              <a:t> Distributions between obesity levels for 5 hours of sunshine and rest are the same</a:t>
+            </a:r>
+          </a:p>
+          <a:p>
+            <a:endParaRPr kumimoji="0" lang="en-US" b="0" i="0" u="none" strike="noStrike" kern="1200" cap="none" spc="0" normalizeH="0" baseline="0" noProof="0" dirty="0">
+              <a:ln>
+                <a:noFill/>
+              </a:ln>
+              <a:solidFill>
+                <a:prstClr val="black"/>
+              </a:solidFill>
+              <a:effectLst/>
+              <a:uLnTx/>
+              <a:uFillTx/>
+              <a:latin typeface="Minion Pro" panose="02040503050306020203" pitchFamily="18" charset="0"/>
+              <a:ea typeface="+mn-ea"/>
+              <a:cs typeface="+mn-cs"/>
+            </a:endParaRPr>
+          </a:p>
+          <a:p>
+            <a:r>
+              <a:rPr lang="en-US" b="1" dirty="0">
+                <a:solidFill>
+                  <a:prstClr val="black"/>
+                </a:solidFill>
+                <a:latin typeface="Minion Pro" panose="02040503050306020203" pitchFamily="18" charset="0"/>
+              </a:rPr>
+              <a:t>H</a:t>
+            </a:r>
+            <a:r>
+              <a:rPr kumimoji="0" lang="en-US" b="1" i="0" u="none" strike="noStrike" kern="1200" cap="none" spc="0" normalizeH="0" baseline="-25000" noProof="0" dirty="0">
+                <a:ln>
+                  <a:noFill/>
+                </a:ln>
+                <a:solidFill>
+                  <a:prstClr val="black"/>
+                </a:solidFill>
+                <a:effectLst/>
+                <a:uLnTx/>
+                <a:uFillTx/>
+                <a:latin typeface="Minion Pro" panose="02040503050306020203" pitchFamily="18" charset="0"/>
+                <a:ea typeface="+mn-ea"/>
+                <a:cs typeface="+mn-cs"/>
+              </a:rPr>
+              <a:t>1</a:t>
+            </a:r>
+            <a:r>
+              <a:rPr kumimoji="0" lang="en-US" b="1" i="0" u="none" strike="noStrike" kern="1200" cap="none" spc="0" normalizeH="0" baseline="0" noProof="0" dirty="0">
+                <a:ln>
+                  <a:noFill/>
+                </a:ln>
+                <a:solidFill>
+                  <a:prstClr val="black"/>
+                </a:solidFill>
+                <a:effectLst/>
+                <a:uLnTx/>
+                <a:uFillTx/>
+                <a:latin typeface="Minion Pro" panose="02040503050306020203" pitchFamily="18" charset="0"/>
+                <a:ea typeface="+mn-ea"/>
+                <a:cs typeface="+mn-cs"/>
+              </a:rPr>
+              <a:t>: </a:t>
+            </a:r>
+            <a:r>
+              <a:rPr kumimoji="0" lang="en-US" b="0" i="0" u="none" strike="noStrike" kern="1200" cap="none" spc="0" normalizeH="0" baseline="0" noProof="0" dirty="0">
+                <a:ln>
+                  <a:noFill/>
+                </a:ln>
+                <a:solidFill>
+                  <a:prstClr val="black"/>
+                </a:solidFill>
+                <a:effectLst/>
+                <a:uLnTx/>
+                <a:uFillTx/>
+                <a:latin typeface="Minion Pro" panose="02040503050306020203" pitchFamily="18" charset="0"/>
+                <a:ea typeface="+mn-ea"/>
+                <a:cs typeface="+mn-cs"/>
+              </a:rPr>
+              <a:t>Distributions between obesity levels for 5 hours of sunshine and rest are different</a:t>
             </a:r>
             <a:endParaRPr lang="en-US" dirty="0"/>
           </a:p>
@@ -10072,8 +10252,8 @@
         </p:nvSpPr>
         <p:spPr>
           <a:xfrm>
-            <a:off x="4846907" y="2733676"/>
-            <a:ext cx="2183355" cy="830997"/>
+            <a:off x="5779719" y="3324013"/>
+            <a:ext cx="1515992" cy="584775"/>
           </a:xfrm>
           <a:prstGeom prst="rect">
             <a:avLst/>
@@ -10087,7 +10267,7 @@
           <a:lstStyle/>
           <a:p>
             <a:r>
-              <a:rPr lang="en-US" sz="2400" b="1" dirty="0">
+              <a:rPr lang="en-US" sz="1600" b="1" dirty="0">
                 <a:latin typeface="Minion Pro" panose="02040503050306020203" pitchFamily="18" charset="0"/>
               </a:rPr>
               <a:t>t-statistic: -1.38</a:t>
@@ -10095,12 +10275,12 @@
           </a:p>
           <a:p>
             <a:r>
-              <a:rPr lang="en-US" sz="2400" b="1" dirty="0">
+              <a:rPr lang="en-US" sz="1600" b="1" dirty="0">
                 <a:latin typeface="Minion Pro" panose="02040503050306020203" pitchFamily="18" charset="0"/>
               </a:rPr>
               <a:t>p-value: 0.18</a:t>
             </a:r>
-            <a:endParaRPr lang="en-US" sz="2400" dirty="0">
+            <a:endParaRPr lang="en-US" sz="1600" dirty="0">
               <a:latin typeface="Minion Pro" panose="02040503050306020203" pitchFamily="18" charset="0"/>
             </a:endParaRPr>
           </a:p>
@@ -10120,8 +10300,8 @@
         </p:nvSpPr>
         <p:spPr>
           <a:xfrm>
-            <a:off x="4901361" y="3689135"/>
-            <a:ext cx="6441157" cy="2060136"/>
+            <a:off x="4901361" y="4276614"/>
+            <a:ext cx="6441157" cy="1563275"/>
           </a:xfrm>
           <a:prstGeom prst="rect">
             <a:avLst/>
@@ -10145,14 +10325,14 @@
               </a:spcAft>
             </a:pPr>
             <a:r>
-              <a:rPr lang="en-US" sz="2400" i="1" dirty="0">
+              <a:rPr lang="en-US" sz="2000" i="1" dirty="0">
                 <a:latin typeface="Minion Pro" panose="02040503050306020203" pitchFamily="18" charset="0"/>
                 <a:ea typeface="+mj-ea"/>
                 <a:cs typeface="+mj-cs"/>
               </a:rPr>
-              <a:t>The p-value indicates that the significance is low so we can reject the null hypothesis that obesity levels between 5 hours of sunshine and the rest are the same.</a:t>
+              <a:t>The p-values indicate that the significance is low so we can reject the null hypothesis that obesity levels between 5 hours of sunshine and the rest are the same and accept that they are different.</a:t>
             </a:r>
-            <a:endParaRPr lang="en-US" sz="2400" i="1" kern="1200" dirty="0">
+            <a:endParaRPr lang="en-US" sz="2000" i="1" kern="1200" dirty="0">
               <a:latin typeface="Minion Pro" panose="02040503050306020203" pitchFamily="18" charset="0"/>
               <a:ea typeface="+mj-ea"/>
               <a:cs typeface="+mj-cs"/>
@@ -10175,14 +10355,14 @@
           <p:nvPr>
             <p:extLst>
               <p:ext uri="{D42A27DB-BD31-4B8C-83A1-F6EECF244321}">
-                <p14:modId xmlns:p14="http://schemas.microsoft.com/office/powerpoint/2010/main" val="2040484006"/>
+                <p14:modId xmlns:p14="http://schemas.microsoft.com/office/powerpoint/2010/main" val="1262697413"/>
               </p:ext>
             </p:extLst>
           </p:nvPr>
         </p:nvGraphicFramePr>
         <p:xfrm>
           <a:off x="4901361" y="1214664"/>
-          <a:ext cx="6441157" cy="1188720"/>
+          <a:ext cx="6441157" cy="1046674"/>
         </p:xfrm>
         <a:graphic>
           <a:graphicData uri="http://schemas.openxmlformats.org/drawingml/2006/table">
@@ -10191,63 +10371,63 @@
                 <a:tableStyleId>{00A15C55-8517-42AA-B614-E9B94910E393}</a:tableStyleId>
               </a:tblPr>
               <a:tblGrid>
-                <a:gridCol w="2038975">
+                <a:gridCol w="1934868">
                   <a:extLst>
                     <a:ext uri="{9D8B030D-6E8A-4147-A177-3AD203B41FA5}">
                       <a16:colId xmlns:a16="http://schemas.microsoft.com/office/drawing/2014/main" val="3668979135"/>
                     </a:ext>
                   </a:extLst>
                 </a:gridCol>
-                <a:gridCol w="600891">
+                <a:gridCol w="620485">
                   <a:extLst>
                     <a:ext uri="{9D8B030D-6E8A-4147-A177-3AD203B41FA5}">
                       <a16:colId xmlns:a16="http://schemas.microsoft.com/office/drawing/2014/main" val="2737775141"/>
                     </a:ext>
                   </a:extLst>
                 </a:gridCol>
-                <a:gridCol w="613954">
+                <a:gridCol w="620486">
                   <a:extLst>
                     <a:ext uri="{9D8B030D-6E8A-4147-A177-3AD203B41FA5}">
                       <a16:colId xmlns:a16="http://schemas.microsoft.com/office/drawing/2014/main" val="2286306187"/>
                     </a:ext>
                   </a:extLst>
                 </a:gridCol>
-                <a:gridCol w="561703">
+                <a:gridCol w="576943">
                   <a:extLst>
                     <a:ext uri="{9D8B030D-6E8A-4147-A177-3AD203B41FA5}">
                       <a16:colId xmlns:a16="http://schemas.microsoft.com/office/drawing/2014/main" val="3376381430"/>
                     </a:ext>
                   </a:extLst>
                 </a:gridCol>
-                <a:gridCol w="483326">
+                <a:gridCol w="489857">
                   <a:extLst>
                     <a:ext uri="{9D8B030D-6E8A-4147-A177-3AD203B41FA5}">
                       <a16:colId xmlns:a16="http://schemas.microsoft.com/office/drawing/2014/main" val="1096465458"/>
                     </a:ext>
                   </a:extLst>
                 </a:gridCol>
-                <a:gridCol w="548640">
+                <a:gridCol w="533400">
                   <a:extLst>
                     <a:ext uri="{9D8B030D-6E8A-4147-A177-3AD203B41FA5}">
                       <a16:colId xmlns:a16="http://schemas.microsoft.com/office/drawing/2014/main" val="3276602412"/>
                     </a:ext>
                   </a:extLst>
                 </a:gridCol>
-                <a:gridCol w="535577">
+                <a:gridCol w="489857">
                   <a:extLst>
                     <a:ext uri="{9D8B030D-6E8A-4147-A177-3AD203B41FA5}">
                       <a16:colId xmlns:a16="http://schemas.microsoft.com/office/drawing/2014/main" val="2406940603"/>
                     </a:ext>
                   </a:extLst>
                 </a:gridCol>
-                <a:gridCol w="528436">
+                <a:gridCol w="620486">
                   <a:extLst>
                     <a:ext uri="{9D8B030D-6E8A-4147-A177-3AD203B41FA5}">
                       <a16:colId xmlns:a16="http://schemas.microsoft.com/office/drawing/2014/main" val="2823908856"/>
                     </a:ext>
                   </a:extLst>
                 </a:gridCol>
-                <a:gridCol w="529655">
+                <a:gridCol w="554775">
                   <a:extLst>
                     <a:ext uri="{9D8B030D-6E8A-4147-A177-3AD203B41FA5}">
                       <a16:colId xmlns:a16="http://schemas.microsoft.com/office/drawing/2014/main" val="1043734515"/>
@@ -11015,6 +11195,177 @@
                 <a:latin typeface="Minion Pro" panose="02040503050306020203" pitchFamily="18" charset="0"/>
               </a:rPr>
               <a:t>Summary Statistics:</a:t>
+            </a:r>
+          </a:p>
+        </p:txBody>
+      </p:sp>
+      <p:sp>
+        <p:nvSpPr>
+          <p:cNvPr id="19" name="TextBox 18">
+            <a:extLst>
+              <a:ext uri="{FF2B5EF4-FFF2-40B4-BE49-F238E27FC236}">
+                <a16:creationId xmlns:a16="http://schemas.microsoft.com/office/drawing/2014/main" id="{205D66E2-2ADD-9BF9-C24C-8812E68F0D15}"/>
+              </a:ext>
+            </a:extLst>
+          </p:cNvPr>
+          <p:cNvSpPr txBox="1"/>
+          <p:nvPr/>
+        </p:nvSpPr>
+        <p:spPr>
+          <a:xfrm>
+            <a:off x="8473532" y="3359653"/>
+            <a:ext cx="1515992" cy="584775"/>
+          </a:xfrm>
+          <a:prstGeom prst="rect">
+            <a:avLst/>
+          </a:prstGeom>
+          <a:noFill/>
+        </p:spPr>
+        <p:txBody>
+          <a:bodyPr wrap="none" rtlCol="0">
+            <a:spAutoFit/>
+          </a:bodyPr>
+          <a:lstStyle/>
+          <a:p>
+            <a:r>
+              <a:rPr lang="en-US" sz="1600" b="1" dirty="0">
+                <a:latin typeface="Minion Pro" panose="02040503050306020203" pitchFamily="18" charset="0"/>
+              </a:rPr>
+              <a:t>t-statistic: -1.38</a:t>
+            </a:r>
+          </a:p>
+          <a:p>
+            <a:r>
+              <a:rPr lang="en-US" sz="1600" b="1" dirty="0">
+                <a:latin typeface="Minion Pro" panose="02040503050306020203" pitchFamily="18" charset="0"/>
+              </a:rPr>
+              <a:t>p-value: 0.18</a:t>
+            </a:r>
+            <a:endParaRPr lang="en-US" sz="1600" dirty="0">
+              <a:latin typeface="Minion Pro" panose="02040503050306020203" pitchFamily="18" charset="0"/>
+            </a:endParaRPr>
+          </a:p>
+        </p:txBody>
+      </p:sp>
+      <p:sp>
+        <p:nvSpPr>
+          <p:cNvPr id="7" name="Rectangle 6">
+            <a:extLst>
+              <a:ext uri="{FF2B5EF4-FFF2-40B4-BE49-F238E27FC236}">
+                <a16:creationId xmlns:a16="http://schemas.microsoft.com/office/drawing/2014/main" id="{0E3C18EE-973F-AF60-0AF2-2A28B7858231}"/>
+              </a:ext>
+            </a:extLst>
+          </p:cNvPr>
+          <p:cNvSpPr/>
+          <p:nvPr/>
+        </p:nvSpPr>
+        <p:spPr>
+          <a:xfrm>
+            <a:off x="5431971" y="2764974"/>
+            <a:ext cx="5127172" cy="484016"/>
+          </a:xfrm>
+          <a:prstGeom prst="rect">
+            <a:avLst/>
+          </a:prstGeom>
+          <a:solidFill>
+            <a:srgbClr val="FFC000"/>
+          </a:solidFill>
+        </p:spPr>
+        <p:style>
+          <a:lnRef idx="2">
+            <a:schemeClr val="accent1">
+              <a:shade val="50000"/>
+            </a:schemeClr>
+          </a:lnRef>
+          <a:fillRef idx="1">
+            <a:schemeClr val="accent1"/>
+          </a:fillRef>
+          <a:effectRef idx="0">
+            <a:schemeClr val="accent1"/>
+          </a:effectRef>
+          <a:fontRef idx="minor">
+            <a:schemeClr val="lt1"/>
+          </a:fontRef>
+        </p:style>
+        <p:txBody>
+          <a:bodyPr rtlCol="0" anchor="ctr"/>
+          <a:lstStyle/>
+          <a:p>
+            <a:pPr algn="ctr"/>
+            <a:endParaRPr lang="en-US"/>
+          </a:p>
+        </p:txBody>
+      </p:sp>
+      <p:sp>
+        <p:nvSpPr>
+          <p:cNvPr id="3" name="TextBox 2">
+            <a:extLst>
+              <a:ext uri="{FF2B5EF4-FFF2-40B4-BE49-F238E27FC236}">
+                <a16:creationId xmlns:a16="http://schemas.microsoft.com/office/drawing/2014/main" id="{436E50EC-BFE8-28E3-E879-B782CABED19E}"/>
+              </a:ext>
+            </a:extLst>
+          </p:cNvPr>
+          <p:cNvSpPr txBox="1"/>
+          <p:nvPr/>
+        </p:nvSpPr>
+        <p:spPr>
+          <a:xfrm>
+            <a:off x="5779719" y="2879658"/>
+            <a:ext cx="1611147" cy="369332"/>
+          </a:xfrm>
+          <a:prstGeom prst="rect">
+            <a:avLst/>
+          </a:prstGeom>
+          <a:noFill/>
+        </p:spPr>
+        <p:txBody>
+          <a:bodyPr wrap="none" rtlCol="0">
+            <a:spAutoFit/>
+          </a:bodyPr>
+          <a:lstStyle/>
+          <a:p>
+            <a:r>
+              <a:rPr lang="en-US" b="1" dirty="0">
+                <a:latin typeface="Minion Pro" panose="02040503050306020203" pitchFamily="18" charset="0"/>
+              </a:rPr>
+              <a:t>Student’s t-test</a:t>
+            </a:r>
+          </a:p>
+        </p:txBody>
+      </p:sp>
+      <p:sp>
+        <p:nvSpPr>
+          <p:cNvPr id="21" name="TextBox 20">
+            <a:extLst>
+              <a:ext uri="{FF2B5EF4-FFF2-40B4-BE49-F238E27FC236}">
+                <a16:creationId xmlns:a16="http://schemas.microsoft.com/office/drawing/2014/main" id="{77AD9CD9-56FF-9D58-E3EA-27263D0AE394}"/>
+              </a:ext>
+            </a:extLst>
+          </p:cNvPr>
+          <p:cNvSpPr txBox="1"/>
+          <p:nvPr/>
+        </p:nvSpPr>
+        <p:spPr>
+          <a:xfrm>
+            <a:off x="8473532" y="2879658"/>
+            <a:ext cx="987450" cy="369332"/>
+          </a:xfrm>
+          <a:prstGeom prst="rect">
+            <a:avLst/>
+          </a:prstGeom>
+          <a:noFill/>
+        </p:spPr>
+        <p:txBody>
+          <a:bodyPr wrap="none" rtlCol="0">
+            <a:spAutoFit/>
+          </a:bodyPr>
+          <a:lstStyle/>
+          <a:p>
+            <a:r>
+              <a:rPr lang="en-US" b="1" dirty="0">
+                <a:latin typeface="Minion Pro" panose="02040503050306020203" pitchFamily="18" charset="0"/>
+              </a:rPr>
+              <a:t>ANOVA</a:t>
             </a:r>
           </a:p>
         </p:txBody>
@@ -15326,10 +15677,10 @@
       </p:sp>
       <p:pic>
         <p:nvPicPr>
-          <p:cNvPr id="19" name="Picture 18">
-            <a:extLst>
-              <a:ext uri="{FF2B5EF4-FFF2-40B4-BE49-F238E27FC236}">
-                <a16:creationId xmlns:a16="http://schemas.microsoft.com/office/drawing/2014/main" id="{37296E2C-127E-5DC2-247D-4921F6C1550F}"/>
+          <p:cNvPr id="4" name="Picture 3">
+            <a:extLst>
+              <a:ext uri="{FF2B5EF4-FFF2-40B4-BE49-F238E27FC236}">
+                <a16:creationId xmlns:a16="http://schemas.microsoft.com/office/drawing/2014/main" id="{D451D4D8-7214-6C71-19CA-978FDEEE65D8}"/>
               </a:ext>
             </a:extLst>
           </p:cNvPr>
@@ -15346,8 +15697,8 @@
         </p:blipFill>
         <p:spPr>
           <a:xfrm>
-            <a:off x="3274122" y="644840"/>
-            <a:ext cx="3894812" cy="2865469"/>
+            <a:off x="3064008" y="572161"/>
+            <a:ext cx="4116823" cy="2998674"/>
           </a:xfrm>
           <a:prstGeom prst="rect">
             <a:avLst/>
@@ -16258,10 +16609,10 @@
       </p:pic>
       <p:pic>
         <p:nvPicPr>
-          <p:cNvPr id="22" name="Picture 21">
-            <a:extLst>
-              <a:ext uri="{FF2B5EF4-FFF2-40B4-BE49-F238E27FC236}">
-                <a16:creationId xmlns:a16="http://schemas.microsoft.com/office/drawing/2014/main" id="{DACE8E79-60FA-4CB4-88F8-1E15A6522215}"/>
+          <p:cNvPr id="4" name="Picture 3">
+            <a:extLst>
+              <a:ext uri="{FF2B5EF4-FFF2-40B4-BE49-F238E27FC236}">
+                <a16:creationId xmlns:a16="http://schemas.microsoft.com/office/drawing/2014/main" id="{0B7E5355-DF34-A0E8-A760-9916CAC2A956}"/>
               </a:ext>
             </a:extLst>
           </p:cNvPr>
@@ -16278,8 +16629,8 @@
         </p:blipFill>
         <p:spPr>
           <a:xfrm>
-            <a:off x="3200492" y="601054"/>
-            <a:ext cx="3929651" cy="2827946"/>
+            <a:off x="3082532" y="553182"/>
+            <a:ext cx="4260112" cy="2949859"/>
           </a:xfrm>
           <a:prstGeom prst="rect">
             <a:avLst/>
@@ -17160,10 +17511,10 @@
       </p:sp>
       <p:pic>
         <p:nvPicPr>
-          <p:cNvPr id="5" name="Picture 4">
-            <a:extLst>
-              <a:ext uri="{FF2B5EF4-FFF2-40B4-BE49-F238E27FC236}">
-                <a16:creationId xmlns:a16="http://schemas.microsoft.com/office/drawing/2014/main" id="{498479C7-D260-E129-8852-79D5D625AB11}"/>
+          <p:cNvPr id="16" name="Picture 15">
+            <a:extLst>
+              <a:ext uri="{FF2B5EF4-FFF2-40B4-BE49-F238E27FC236}">
+                <a16:creationId xmlns:a16="http://schemas.microsoft.com/office/drawing/2014/main" id="{1621F301-F3B7-CB4F-92D0-1FA62D8A25B6}"/>
               </a:ext>
             </a:extLst>
           </p:cNvPr>
@@ -17180,8 +17531,38 @@
         </p:blipFill>
         <p:spPr>
           <a:xfrm>
-            <a:off x="2899981" y="249165"/>
-            <a:ext cx="4273706" cy="3047338"/>
+            <a:off x="7489112" y="362434"/>
+            <a:ext cx="4115374" cy="2743583"/>
+          </a:xfrm>
+          <a:prstGeom prst="rect">
+            <a:avLst/>
+          </a:prstGeom>
+        </p:spPr>
+      </p:pic>
+      <p:pic>
+        <p:nvPicPr>
+          <p:cNvPr id="4" name="Picture 3">
+            <a:extLst>
+              <a:ext uri="{FF2B5EF4-FFF2-40B4-BE49-F238E27FC236}">
+                <a16:creationId xmlns:a16="http://schemas.microsoft.com/office/drawing/2014/main" id="{11A96B12-403E-76E9-0B72-A5689E060D1E}"/>
+              </a:ext>
+            </a:extLst>
+          </p:cNvPr>
+          <p:cNvPicPr>
+            <a:picLocks noChangeAspect="1"/>
+          </p:cNvPicPr>
+          <p:nvPr/>
+        </p:nvPicPr>
+        <p:blipFill>
+          <a:blip r:embed="rId3"/>
+          <a:stretch>
+            <a:fillRect/>
+          </a:stretch>
+        </p:blipFill>
+        <p:spPr>
+          <a:xfrm>
+            <a:off x="3133412" y="362434"/>
+            <a:ext cx="4286956" cy="3058921"/>
           </a:xfrm>
           <a:prstGeom prst="rect">
             <a:avLst/>
@@ -17259,36 +17640,6 @@
           </a:p>
         </p:txBody>
       </p:sp>
-      <p:pic>
-        <p:nvPicPr>
-          <p:cNvPr id="16" name="Picture 15">
-            <a:extLst>
-              <a:ext uri="{FF2B5EF4-FFF2-40B4-BE49-F238E27FC236}">
-                <a16:creationId xmlns:a16="http://schemas.microsoft.com/office/drawing/2014/main" id="{1621F301-F3B7-CB4F-92D0-1FA62D8A25B6}"/>
-              </a:ext>
-            </a:extLst>
-          </p:cNvPr>
-          <p:cNvPicPr>
-            <a:picLocks noChangeAspect="1"/>
-          </p:cNvPicPr>
-          <p:nvPr/>
-        </p:nvPicPr>
-        <p:blipFill>
-          <a:blip r:embed="rId3"/>
-          <a:stretch>
-            <a:fillRect/>
-          </a:stretch>
-        </p:blipFill>
-        <p:spPr>
-          <a:xfrm>
-            <a:off x="7489112" y="362434"/>
-            <a:ext cx="4115374" cy="2743583"/>
-          </a:xfrm>
-          <a:prstGeom prst="rect">
-            <a:avLst/>
-          </a:prstGeom>
-        </p:spPr>
-      </p:pic>
     </p:spTree>
     <p:extLst>
       <p:ext uri="{BB962C8B-B14F-4D97-AF65-F5344CB8AC3E}">
@@ -18092,10 +18443,10 @@
       </p:sp>
       <p:pic>
         <p:nvPicPr>
-          <p:cNvPr id="16" name="Picture 15">
-            <a:extLst>
-              <a:ext uri="{FF2B5EF4-FFF2-40B4-BE49-F238E27FC236}">
-                <a16:creationId xmlns:a16="http://schemas.microsoft.com/office/drawing/2014/main" id="{907DBBC2-37CD-5830-5D83-14C7DEF84E29}"/>
+          <p:cNvPr id="18" name="Picture 17">
+            <a:extLst>
+              <a:ext uri="{FF2B5EF4-FFF2-40B4-BE49-F238E27FC236}">
+                <a16:creationId xmlns:a16="http://schemas.microsoft.com/office/drawing/2014/main" id="{E171A92A-F756-0DCA-105F-C4C28F935904}"/>
               </a:ext>
             </a:extLst>
           </p:cNvPr>
@@ -18112,8 +18463,38 @@
         </p:blipFill>
         <p:spPr>
           <a:xfrm>
-            <a:off x="3306851" y="322911"/>
-            <a:ext cx="4226064" cy="3117588"/>
+            <a:off x="7588465" y="473914"/>
+            <a:ext cx="4153480" cy="2800741"/>
+          </a:xfrm>
+          <a:prstGeom prst="rect">
+            <a:avLst/>
+          </a:prstGeom>
+        </p:spPr>
+      </p:pic>
+      <p:pic>
+        <p:nvPicPr>
+          <p:cNvPr id="4" name="Picture 3">
+            <a:extLst>
+              <a:ext uri="{FF2B5EF4-FFF2-40B4-BE49-F238E27FC236}">
+                <a16:creationId xmlns:a16="http://schemas.microsoft.com/office/drawing/2014/main" id="{EAE2C340-E897-5D9B-69AC-EE89ACFE8883}"/>
+              </a:ext>
+            </a:extLst>
+          </p:cNvPr>
+          <p:cNvPicPr>
+            <a:picLocks noChangeAspect="1"/>
+          </p:cNvPicPr>
+          <p:nvPr/>
+        </p:nvPicPr>
+        <p:blipFill>
+          <a:blip r:embed="rId3"/>
+          <a:stretch>
+            <a:fillRect/>
+          </a:stretch>
+        </p:blipFill>
+        <p:spPr>
+          <a:xfrm>
+            <a:off x="3199506" y="477252"/>
+            <a:ext cx="4106780" cy="2951748"/>
           </a:xfrm>
           <a:prstGeom prst="rect">
             <a:avLst/>
@@ -18191,36 +18572,6 @@
           </a:p>
         </p:txBody>
       </p:sp>
-      <p:pic>
-        <p:nvPicPr>
-          <p:cNvPr id="18" name="Picture 17">
-            <a:extLst>
-              <a:ext uri="{FF2B5EF4-FFF2-40B4-BE49-F238E27FC236}">
-                <a16:creationId xmlns:a16="http://schemas.microsoft.com/office/drawing/2014/main" id="{E171A92A-F756-0DCA-105F-C4C28F935904}"/>
-              </a:ext>
-            </a:extLst>
-          </p:cNvPr>
-          <p:cNvPicPr>
-            <a:picLocks noChangeAspect="1"/>
-          </p:cNvPicPr>
-          <p:nvPr/>
-        </p:nvPicPr>
-        <p:blipFill>
-          <a:blip r:embed="rId3"/>
-          <a:stretch>
-            <a:fillRect/>
-          </a:stretch>
-        </p:blipFill>
-        <p:spPr>
-          <a:xfrm>
-            <a:off x="7588465" y="473914"/>
-            <a:ext cx="4153480" cy="2800741"/>
-          </a:xfrm>
-          <a:prstGeom prst="rect">
-            <a:avLst/>
-          </a:prstGeom>
-        </p:spPr>
-      </p:pic>
     </p:spTree>
     <p:extLst>
       <p:ext uri="{BB962C8B-B14F-4D97-AF65-F5344CB8AC3E}">
@@ -19033,10 +19384,10 @@
       </p:sp>
       <p:pic>
         <p:nvPicPr>
-          <p:cNvPr id="4" name="Picture 3">
-            <a:extLst>
-              <a:ext uri="{FF2B5EF4-FFF2-40B4-BE49-F238E27FC236}">
-                <a16:creationId xmlns:a16="http://schemas.microsoft.com/office/drawing/2014/main" id="{56BB1E87-084E-AE57-EDB7-ED78BCEE8266}"/>
+          <p:cNvPr id="16" name="Picture 15">
+            <a:extLst>
+              <a:ext uri="{FF2B5EF4-FFF2-40B4-BE49-F238E27FC236}">
+                <a16:creationId xmlns:a16="http://schemas.microsoft.com/office/drawing/2014/main" id="{D0D632EE-AFD5-EC0D-3EE3-AA1C8F8F07C2}"/>
               </a:ext>
             </a:extLst>
           </p:cNvPr>
@@ -19053,8 +19404,38 @@
         </p:blipFill>
         <p:spPr>
           <a:xfrm>
-            <a:off x="3209047" y="303713"/>
-            <a:ext cx="4156310" cy="2860105"/>
+            <a:off x="7668596" y="372603"/>
+            <a:ext cx="4220164" cy="2791215"/>
+          </a:xfrm>
+          <a:prstGeom prst="rect">
+            <a:avLst/>
+          </a:prstGeom>
+        </p:spPr>
+      </p:pic>
+      <p:pic>
+        <p:nvPicPr>
+          <p:cNvPr id="5" name="Picture 4">
+            <a:extLst>
+              <a:ext uri="{FF2B5EF4-FFF2-40B4-BE49-F238E27FC236}">
+                <a16:creationId xmlns:a16="http://schemas.microsoft.com/office/drawing/2014/main" id="{BCC5D912-71BC-0502-1723-7118DB45A0E5}"/>
+              </a:ext>
+            </a:extLst>
+          </p:cNvPr>
+          <p:cNvPicPr>
+            <a:picLocks noChangeAspect="1"/>
+          </p:cNvPicPr>
+          <p:nvPr/>
+        </p:nvPicPr>
+        <p:blipFill>
+          <a:blip r:embed="rId3"/>
+          <a:stretch>
+            <a:fillRect/>
+          </a:stretch>
+        </p:blipFill>
+        <p:spPr>
+          <a:xfrm>
+            <a:off x="3138249" y="296210"/>
+            <a:ext cx="4408063" cy="3217113"/>
           </a:xfrm>
           <a:prstGeom prst="rect">
             <a:avLst/>
@@ -19140,36 +19521,6 @@
           </a:p>
         </p:txBody>
       </p:sp>
-      <p:pic>
-        <p:nvPicPr>
-          <p:cNvPr id="16" name="Picture 15">
-            <a:extLst>
-              <a:ext uri="{FF2B5EF4-FFF2-40B4-BE49-F238E27FC236}">
-                <a16:creationId xmlns:a16="http://schemas.microsoft.com/office/drawing/2014/main" id="{D0D632EE-AFD5-EC0D-3EE3-AA1C8F8F07C2}"/>
-              </a:ext>
-            </a:extLst>
-          </p:cNvPr>
-          <p:cNvPicPr>
-            <a:picLocks noChangeAspect="1"/>
-          </p:cNvPicPr>
-          <p:nvPr/>
-        </p:nvPicPr>
-        <p:blipFill>
-          <a:blip r:embed="rId3"/>
-          <a:stretch>
-            <a:fillRect/>
-          </a:stretch>
-        </p:blipFill>
-        <p:spPr>
-          <a:xfrm>
-            <a:off x="7668596" y="372603"/>
-            <a:ext cx="4220164" cy="2791215"/>
-          </a:xfrm>
-          <a:prstGeom prst="rect">
-            <a:avLst/>
-          </a:prstGeom>
-        </p:spPr>
-      </p:pic>
     </p:spTree>
     <p:extLst>
       <p:ext uri="{BB962C8B-B14F-4D97-AF65-F5344CB8AC3E}">
@@ -19922,10 +20273,10 @@
       </p:sp>
       <p:pic>
         <p:nvPicPr>
-          <p:cNvPr id="5" name="Picture 4">
-            <a:extLst>
-              <a:ext uri="{FF2B5EF4-FFF2-40B4-BE49-F238E27FC236}">
-                <a16:creationId xmlns:a16="http://schemas.microsoft.com/office/drawing/2014/main" id="{10C6EFE5-2F17-3F72-839F-E33F42100B6F}"/>
+          <p:cNvPr id="15" name="Picture 14">
+            <a:extLst>
+              <a:ext uri="{FF2B5EF4-FFF2-40B4-BE49-F238E27FC236}">
+                <a16:creationId xmlns:a16="http://schemas.microsoft.com/office/drawing/2014/main" id="{13A4F9EF-5178-742C-0787-E23F9B16A802}"/>
               </a:ext>
             </a:extLst>
           </p:cNvPr>
@@ -19942,8 +20293,38 @@
         </p:blipFill>
         <p:spPr>
           <a:xfrm>
-            <a:off x="3071815" y="311780"/>
-            <a:ext cx="4209512" cy="2976199"/>
+            <a:off x="7488450" y="326558"/>
+            <a:ext cx="4496427" cy="2743583"/>
+          </a:xfrm>
+          <a:prstGeom prst="rect">
+            <a:avLst/>
+          </a:prstGeom>
+        </p:spPr>
+      </p:pic>
+      <p:pic>
+        <p:nvPicPr>
+          <p:cNvPr id="4" name="Picture 3">
+            <a:extLst>
+              <a:ext uri="{FF2B5EF4-FFF2-40B4-BE49-F238E27FC236}">
+                <a16:creationId xmlns:a16="http://schemas.microsoft.com/office/drawing/2014/main" id="{979208F5-782C-937A-2D0C-20516BF1C6AC}"/>
+              </a:ext>
+            </a:extLst>
+          </p:cNvPr>
+          <p:cNvPicPr>
+            <a:picLocks noChangeAspect="1"/>
+          </p:cNvPicPr>
+          <p:nvPr/>
+        </p:nvPicPr>
+        <p:blipFill>
+          <a:blip r:embed="rId3"/>
+          <a:stretch>
+            <a:fillRect/>
+          </a:stretch>
+        </p:blipFill>
+        <p:spPr>
+          <a:xfrm>
+            <a:off x="3231373" y="386314"/>
+            <a:ext cx="4136032" cy="2944050"/>
           </a:xfrm>
           <a:prstGeom prst="rect">
             <a:avLst/>
@@ -20029,36 +20410,6 @@
           </a:p>
         </p:txBody>
       </p:sp>
-      <p:pic>
-        <p:nvPicPr>
-          <p:cNvPr id="15" name="Picture 14">
-            <a:extLst>
-              <a:ext uri="{FF2B5EF4-FFF2-40B4-BE49-F238E27FC236}">
-                <a16:creationId xmlns:a16="http://schemas.microsoft.com/office/drawing/2014/main" id="{13A4F9EF-5178-742C-0787-E23F9B16A802}"/>
-              </a:ext>
-            </a:extLst>
-          </p:cNvPr>
-          <p:cNvPicPr>
-            <a:picLocks noChangeAspect="1"/>
-          </p:cNvPicPr>
-          <p:nvPr/>
-        </p:nvPicPr>
-        <p:blipFill>
-          <a:blip r:embed="rId3"/>
-          <a:stretch>
-            <a:fillRect/>
-          </a:stretch>
-        </p:blipFill>
-        <p:spPr>
-          <a:xfrm>
-            <a:off x="7488450" y="326558"/>
-            <a:ext cx="4496427" cy="2743583"/>
-          </a:xfrm>
-          <a:prstGeom prst="rect">
-            <a:avLst/>
-          </a:prstGeom>
-        </p:spPr>
-      </p:pic>
     </p:spTree>
     <p:extLst>
       <p:ext uri="{BB962C8B-B14F-4D97-AF65-F5344CB8AC3E}">

--- a/DSC530/Healthiest City/Healthy Lifestyles.pptx
+++ b/DSC530/Healthiest City/Healthy Lifestyles.pptx
@@ -3303,7 +3303,7 @@
           <a:p>
             <a:fld id="{EED1C14C-A143-42F5-B247-D0E800131009}" type="datetimeFigureOut">
               <a:rPr lang="en-US" smtClean="0"/>
-              <a:t>6/1/2022</a:t>
+              <a:t>6/2/2022</a:t>
             </a:fld>
             <a:endParaRPr lang="en-US"/>
           </a:p>
@@ -3501,7 +3501,7 @@
           <a:p>
             <a:fld id="{EED1C14C-A143-42F5-B247-D0E800131009}" type="datetimeFigureOut">
               <a:rPr lang="en-US" smtClean="0"/>
-              <a:t>6/1/2022</a:t>
+              <a:t>6/2/2022</a:t>
             </a:fld>
             <a:endParaRPr lang="en-US"/>
           </a:p>
@@ -3709,7 +3709,7 @@
           <a:p>
             <a:fld id="{EED1C14C-A143-42F5-B247-D0E800131009}" type="datetimeFigureOut">
               <a:rPr lang="en-US" smtClean="0"/>
-              <a:t>6/1/2022</a:t>
+              <a:t>6/2/2022</a:t>
             </a:fld>
             <a:endParaRPr lang="en-US"/>
           </a:p>
@@ -3907,7 +3907,7 @@
           <a:p>
             <a:fld id="{EED1C14C-A143-42F5-B247-D0E800131009}" type="datetimeFigureOut">
               <a:rPr lang="en-US" smtClean="0"/>
-              <a:t>6/1/2022</a:t>
+              <a:t>6/2/2022</a:t>
             </a:fld>
             <a:endParaRPr lang="en-US"/>
           </a:p>
@@ -4182,7 +4182,7 @@
           <a:p>
             <a:fld id="{EED1C14C-A143-42F5-B247-D0E800131009}" type="datetimeFigureOut">
               <a:rPr lang="en-US" smtClean="0"/>
-              <a:t>6/1/2022</a:t>
+              <a:t>6/2/2022</a:t>
             </a:fld>
             <a:endParaRPr lang="en-US"/>
           </a:p>
@@ -4447,7 +4447,7 @@
           <a:p>
             <a:fld id="{EED1C14C-A143-42F5-B247-D0E800131009}" type="datetimeFigureOut">
               <a:rPr lang="en-US" smtClean="0"/>
-              <a:t>6/1/2022</a:t>
+              <a:t>6/2/2022</a:t>
             </a:fld>
             <a:endParaRPr lang="en-US"/>
           </a:p>
@@ -4859,7 +4859,7 @@
           <a:p>
             <a:fld id="{EED1C14C-A143-42F5-B247-D0E800131009}" type="datetimeFigureOut">
               <a:rPr lang="en-US" smtClean="0"/>
-              <a:t>6/1/2022</a:t>
+              <a:t>6/2/2022</a:t>
             </a:fld>
             <a:endParaRPr lang="en-US"/>
           </a:p>
@@ -5000,7 +5000,7 @@
           <a:p>
             <a:fld id="{EED1C14C-A143-42F5-B247-D0E800131009}" type="datetimeFigureOut">
               <a:rPr lang="en-US" smtClean="0"/>
-              <a:t>6/1/2022</a:t>
+              <a:t>6/2/2022</a:t>
             </a:fld>
             <a:endParaRPr lang="en-US"/>
           </a:p>
@@ -5113,7 +5113,7 @@
           <a:p>
             <a:fld id="{EED1C14C-A143-42F5-B247-D0E800131009}" type="datetimeFigureOut">
               <a:rPr lang="en-US" smtClean="0"/>
-              <a:t>6/1/2022</a:t>
+              <a:t>6/2/2022</a:t>
             </a:fld>
             <a:endParaRPr lang="en-US"/>
           </a:p>
@@ -5424,7 +5424,7 @@
           <a:p>
             <a:fld id="{EED1C14C-A143-42F5-B247-D0E800131009}" type="datetimeFigureOut">
               <a:rPr lang="en-US" smtClean="0"/>
-              <a:t>6/1/2022</a:t>
+              <a:t>6/2/2022</a:t>
             </a:fld>
             <a:endParaRPr lang="en-US"/>
           </a:p>
@@ -5712,7 +5712,7 @@
           <a:p>
             <a:fld id="{EED1C14C-A143-42F5-B247-D0E800131009}" type="datetimeFigureOut">
               <a:rPr lang="en-US" smtClean="0"/>
-              <a:t>6/1/2022</a:t>
+              <a:t>6/2/2022</a:t>
             </a:fld>
             <a:endParaRPr lang="en-US"/>
           </a:p>
@@ -5953,7 +5953,7 @@
           <a:p>
             <a:fld id="{EED1C14C-A143-42F5-B247-D0E800131009}" type="datetimeFigureOut">
               <a:rPr lang="en-US" smtClean="0"/>
-              <a:t>6/1/2022</a:t>
+              <a:t>6/2/2022</a:t>
             </a:fld>
             <a:endParaRPr lang="en-US"/>
           </a:p>
@@ -6597,14 +6597,93 @@
           <a:p>
             <a:pPr algn="l"/>
             <a:r>
-              <a:rPr lang="en-US" sz="9800">
+              <a:rPr lang="en-US" sz="9800" dirty="0">
                 <a:latin typeface="Minion Pro" panose="02040503050306020203" pitchFamily="18" charset="0"/>
               </a:rPr>
               <a:t>Healthiest Lifestyles per City</a:t>
             </a:r>
-            <a:endParaRPr lang="en-US" sz="9800" dirty="0">
-              <a:latin typeface="Minion Pro" panose="02040503050306020203" pitchFamily="18" charset="0"/>
-            </a:endParaRPr>
+          </a:p>
+        </p:txBody>
+      </p:sp>
+      <p:sp>
+        <p:nvSpPr>
+          <p:cNvPr id="3" name="TextBox 2">
+            <a:extLst>
+              <a:ext uri="{FF2B5EF4-FFF2-40B4-BE49-F238E27FC236}">
+                <a16:creationId xmlns:a16="http://schemas.microsoft.com/office/drawing/2014/main" id="{F8625730-1291-7E9E-161C-91049A7CE641}"/>
+              </a:ext>
+            </a:extLst>
+          </p:cNvPr>
+          <p:cNvSpPr txBox="1"/>
+          <p:nvPr/>
+        </p:nvSpPr>
+        <p:spPr>
+          <a:xfrm>
+            <a:off x="772886" y="5414216"/>
+            <a:ext cx="1873590" cy="646331"/>
+          </a:xfrm>
+          <a:prstGeom prst="rect">
+            <a:avLst/>
+          </a:prstGeom>
+          <a:noFill/>
+        </p:spPr>
+        <p:txBody>
+          <a:bodyPr wrap="none" rtlCol="0">
+            <a:spAutoFit/>
+          </a:bodyPr>
+          <a:lstStyle/>
+          <a:p>
+            <a:r>
+              <a:rPr lang="en-US" dirty="0"/>
+              <a:t>By Kimberly Cable</a:t>
+            </a:r>
+          </a:p>
+          <a:p>
+            <a:r>
+              <a:rPr lang="en-US" dirty="0"/>
+              <a:t>June 4, 2022</a:t>
+            </a:r>
+          </a:p>
+        </p:txBody>
+      </p:sp>
+      <p:sp>
+        <p:nvSpPr>
+          <p:cNvPr id="4" name="TextBox 3">
+            <a:extLst>
+              <a:ext uri="{FF2B5EF4-FFF2-40B4-BE49-F238E27FC236}">
+                <a16:creationId xmlns:a16="http://schemas.microsoft.com/office/drawing/2014/main" id="{89F3B080-40F5-9F5C-61A8-8618EF1E1018}"/>
+              </a:ext>
+            </a:extLst>
+          </p:cNvPr>
+          <p:cNvSpPr txBox="1"/>
+          <p:nvPr/>
+        </p:nvSpPr>
+        <p:spPr>
+          <a:xfrm>
+            <a:off x="7456164" y="5422527"/>
+            <a:ext cx="3843232" cy="646331"/>
+          </a:xfrm>
+          <a:prstGeom prst="rect">
+            <a:avLst/>
+          </a:prstGeom>
+          <a:noFill/>
+        </p:spPr>
+        <p:txBody>
+          <a:bodyPr wrap="none" rtlCol="0">
+            <a:spAutoFit/>
+          </a:bodyPr>
+          <a:lstStyle/>
+          <a:p>
+            <a:r>
+              <a:rPr lang="en-US" dirty="0"/>
+              <a:t>DSC 530: Data Exploration and Analysis</a:t>
+            </a:r>
+          </a:p>
+          <a:p>
+            <a:r>
+              <a:rPr lang="en-US" dirty="0"/>
+              <a:t>Bellevue University</a:t>
+            </a:r>
           </a:p>
         </p:txBody>
       </p:sp>
